--- a/Présentation - Solution Technique.pptx
+++ b/Présentation - Solution Technique.pptx
@@ -18,7 +18,8 @@
     <p:sldId id="285" r:id="rId12"/>
     <p:sldId id="287" r:id="rId13"/>
     <p:sldId id="278" r:id="rId14"/>
-    <p:sldId id="288" r:id="rId15"/>
+    <p:sldId id="289" r:id="rId15"/>
+    <p:sldId id="288" r:id="rId16"/>
   </p:sldIdLst>
   <p:sldSz cx="12192000" cy="6858000"/>
   <p:notesSz cx="6858000" cy="9144000"/>
@@ -117,6 +118,11 @@
       </a:defRPr>
     </a:lvl9pPr>
   </p:defaultTextStyle>
+  <p:extLst>
+    <p:ext uri="{EFAFB233-063F-42B5-8137-9DF3F51BA10A}">
+      <p15:sldGuideLst xmlns:p15="http://schemas.microsoft.com/office/powerpoint/2012/main"/>
+    </p:ext>
+  </p:extLst>
 </p:presentation>
 </file>
 
@@ -267,7 +273,7 @@
           <a:p>
             <a:fld id="{263E7F3F-29D9-49B8-B734-1B3AB52CB17C}" type="datetimeFigureOut">
               <a:rPr lang="fr-FR" smtClean="0"/>
-              <a:t>21/01/2024</a:t>
+              <a:t>28/01/2024</a:t>
             </a:fld>
             <a:endParaRPr lang="fr-FR"/>
           </a:p>
@@ -465,7 +471,7 @@
           <a:p>
             <a:fld id="{263E7F3F-29D9-49B8-B734-1B3AB52CB17C}" type="datetimeFigureOut">
               <a:rPr lang="fr-FR" smtClean="0"/>
-              <a:t>21/01/2024</a:t>
+              <a:t>28/01/2024</a:t>
             </a:fld>
             <a:endParaRPr lang="fr-FR"/>
           </a:p>
@@ -673,7 +679,7 @@
           <a:p>
             <a:fld id="{263E7F3F-29D9-49B8-B734-1B3AB52CB17C}" type="datetimeFigureOut">
               <a:rPr lang="fr-FR" smtClean="0"/>
-              <a:t>21/01/2024</a:t>
+              <a:t>28/01/2024</a:t>
             </a:fld>
             <a:endParaRPr lang="fr-FR"/>
           </a:p>
@@ -871,7 +877,7 @@
           <a:p>
             <a:fld id="{263E7F3F-29D9-49B8-B734-1B3AB52CB17C}" type="datetimeFigureOut">
               <a:rPr lang="fr-FR" smtClean="0"/>
-              <a:t>21/01/2024</a:t>
+              <a:t>28/01/2024</a:t>
             </a:fld>
             <a:endParaRPr lang="fr-FR"/>
           </a:p>
@@ -1146,7 +1152,7 @@
           <a:p>
             <a:fld id="{263E7F3F-29D9-49B8-B734-1B3AB52CB17C}" type="datetimeFigureOut">
               <a:rPr lang="fr-FR" smtClean="0"/>
-              <a:t>21/01/2024</a:t>
+              <a:t>28/01/2024</a:t>
             </a:fld>
             <a:endParaRPr lang="fr-FR"/>
           </a:p>
@@ -1411,7 +1417,7 @@
           <a:p>
             <a:fld id="{263E7F3F-29D9-49B8-B734-1B3AB52CB17C}" type="datetimeFigureOut">
               <a:rPr lang="fr-FR" smtClean="0"/>
-              <a:t>21/01/2024</a:t>
+              <a:t>28/01/2024</a:t>
             </a:fld>
             <a:endParaRPr lang="fr-FR"/>
           </a:p>
@@ -1823,7 +1829,7 @@
           <a:p>
             <a:fld id="{263E7F3F-29D9-49B8-B734-1B3AB52CB17C}" type="datetimeFigureOut">
               <a:rPr lang="fr-FR" smtClean="0"/>
-              <a:t>21/01/2024</a:t>
+              <a:t>28/01/2024</a:t>
             </a:fld>
             <a:endParaRPr lang="fr-FR"/>
           </a:p>
@@ -1964,7 +1970,7 @@
           <a:p>
             <a:fld id="{263E7F3F-29D9-49B8-B734-1B3AB52CB17C}" type="datetimeFigureOut">
               <a:rPr lang="fr-FR" smtClean="0"/>
-              <a:t>21/01/2024</a:t>
+              <a:t>28/01/2024</a:t>
             </a:fld>
             <a:endParaRPr lang="fr-FR"/>
           </a:p>
@@ -2077,7 +2083,7 @@
           <a:p>
             <a:fld id="{263E7F3F-29D9-49B8-B734-1B3AB52CB17C}" type="datetimeFigureOut">
               <a:rPr lang="fr-FR" smtClean="0"/>
-              <a:t>21/01/2024</a:t>
+              <a:t>28/01/2024</a:t>
             </a:fld>
             <a:endParaRPr lang="fr-FR"/>
           </a:p>
@@ -2388,7 +2394,7 @@
           <a:p>
             <a:fld id="{263E7F3F-29D9-49B8-B734-1B3AB52CB17C}" type="datetimeFigureOut">
               <a:rPr lang="fr-FR" smtClean="0"/>
-              <a:t>21/01/2024</a:t>
+              <a:t>28/01/2024</a:t>
             </a:fld>
             <a:endParaRPr lang="fr-FR"/>
           </a:p>
@@ -2676,7 +2682,7 @@
           <a:p>
             <a:fld id="{263E7F3F-29D9-49B8-B734-1B3AB52CB17C}" type="datetimeFigureOut">
               <a:rPr lang="fr-FR" smtClean="0"/>
-              <a:t>21/01/2024</a:t>
+              <a:t>28/01/2024</a:t>
             </a:fld>
             <a:endParaRPr lang="fr-FR"/>
           </a:p>
@@ -2753,9 +2759,12 @@
 <p:sldMaster xmlns:a="http://schemas.openxmlformats.org/drawingml/2006/main" xmlns:r="http://schemas.openxmlformats.org/officeDocument/2006/relationships" xmlns:p="http://schemas.openxmlformats.org/presentationml/2006/main">
   <p:cSld>
     <p:bg>
-      <p:bgRef idx="1001">
-        <a:schemeClr val="bg1"/>
-      </p:bgRef>
+      <p:bgPr>
+        <a:solidFill>
+          <a:srgbClr val="FBF0E3"/>
+        </a:solidFill>
+        <a:effectLst/>
+      </p:bgPr>
     </p:bg>
     <p:spTree>
       <p:nvGrpSpPr>
@@ -2917,7 +2926,7 @@
           <a:p>
             <a:fld id="{263E7F3F-29D9-49B8-B734-1B3AB52CB17C}" type="datetimeFigureOut">
               <a:rPr lang="fr-FR" smtClean="0"/>
-              <a:t>21/01/2024</a:t>
+              <a:t>28/01/2024</a:t>
             </a:fld>
             <a:endParaRPr lang="fr-FR"/>
           </a:p>
@@ -3320,14 +3329,6 @@
 <file path=ppt/slides/slide1.xml><?xml version="1.0" encoding="utf-8"?>
 <p:sld xmlns:a="http://schemas.openxmlformats.org/drawingml/2006/main" xmlns:r="http://schemas.openxmlformats.org/officeDocument/2006/relationships" xmlns:p="http://schemas.openxmlformats.org/presentationml/2006/main">
   <p:cSld>
-    <p:bg>
-      <p:bgPr>
-        <a:solidFill>
-          <a:schemeClr val="bg1"/>
-        </a:solidFill>
-        <a:effectLst/>
-      </p:bgPr>
-    </p:bg>
     <p:spTree>
       <p:nvGrpSpPr>
         <p:cNvPr id="1" name=""/>
@@ -3344,26 +3345,34 @@
       </p:grpSpPr>
       <p:pic>
         <p:nvPicPr>
-          <p:cNvPr id="4" name="image1.png" descr="Une image contenant Police, texte, Graphique, logo&#10;&#10;Description générée automatiquement">
-            <a:extLst>
-              <a:ext uri="{FF2B5EF4-FFF2-40B4-BE49-F238E27FC236}">
-                <a16:creationId xmlns:a16="http://schemas.microsoft.com/office/drawing/2014/main" id="{CD33D20F-ECD8-E47C-5D50-2C3EF3E22272}"/>
-              </a:ext>
-            </a:extLst>
-          </p:cNvPr>
-          <p:cNvPicPr/>
+          <p:cNvPr id="8" name="Image 7" descr="Une image contenant texte, Police, Graphique, logo&#10;&#10;Description générée automatiquement">
+            <a:extLst>
+              <a:ext uri="{FF2B5EF4-FFF2-40B4-BE49-F238E27FC236}">
+                <a16:creationId xmlns:a16="http://schemas.microsoft.com/office/drawing/2014/main" id="{E35A1598-2890-1149-06F8-AAABAF7E6B8A}"/>
+              </a:ext>
+            </a:extLst>
+          </p:cNvPr>
+          <p:cNvPicPr>
+            <a:picLocks noChangeAspect="1"/>
+          </p:cNvPicPr>
           <p:nvPr/>
         </p:nvPicPr>
         <p:blipFill>
-          <a:blip r:embed="rId2"/>
+          <a:blip r:embed="rId2">
+            <a:extLst>
+              <a:ext uri="{28A0092B-C50C-407E-A947-70E740481C1C}">
+                <a14:useLocalDpi xmlns:a14="http://schemas.microsoft.com/office/drawing/2010/main" val="0"/>
+              </a:ext>
+            </a:extLst>
+          </a:blip>
           <a:stretch>
             <a:fillRect/>
           </a:stretch>
         </p:blipFill>
         <p:spPr>
           <a:xfrm>
-            <a:off x="1943099" y="2907714"/>
-            <a:ext cx="2768602" cy="1042572"/>
+            <a:off x="1936770" y="2907714"/>
+            <a:ext cx="2769117" cy="1042572"/>
           </a:xfrm>
           <a:prstGeom prst="rect">
             <a:avLst/>
@@ -3460,6 +3469,9 @@
               <a:pPr algn="ctr"/>
               <a:r>
                 <a:rPr lang="fr-FR" sz="2600" dirty="0">
+                  <a:solidFill>
+                    <a:srgbClr val="0D0D0D"/>
+                  </a:solidFill>
                   <a:latin typeface="Montserrat" panose="00000500000000000000" pitchFamily="2" charset="0"/>
                 </a:rPr>
                 <a:t>Solution Technique</a:t>
@@ -3576,12 +3588,18 @@
             <a:pPr algn="ctr"/>
             <a:r>
               <a:rPr lang="fr-FR" sz="2800" dirty="0" err="1">
+                <a:solidFill>
+                  <a:srgbClr val="0D0D0D"/>
+                </a:solidFill>
                 <a:latin typeface="Montserrat" panose="00000500000000000000" pitchFamily="2" charset="0"/>
               </a:rPr>
               <a:t>React</a:t>
             </a:r>
             <a:r>
               <a:rPr lang="fr-FR" sz="2800" dirty="0">
+                <a:solidFill>
+                  <a:srgbClr val="0D0D0D"/>
+                </a:solidFill>
                 <a:latin typeface="Montserrat" panose="00000500000000000000" pitchFamily="2" charset="0"/>
               </a:rPr>
               <a:t> (frontend)</a:t>
@@ -3618,23 +3636,43 @@
           <a:lstStyle/>
           <a:p>
             <a:r>
-              <a:rPr lang="fr-FR" dirty="0" err="1"/>
+              <a:rPr lang="fr-FR" dirty="0" err="1">
+                <a:solidFill>
+                  <a:srgbClr val="0D0D0D"/>
+                </a:solidFill>
+              </a:rPr>
               <a:t>React</a:t>
             </a:r>
             <a:r>
-              <a:rPr lang="fr-FR" dirty="0"/>
+              <a:rPr lang="fr-FR" dirty="0">
+                <a:solidFill>
+                  <a:srgbClr val="0D0D0D"/>
+                </a:solidFill>
+              </a:rPr>
               <a:t> est un Framework Javascript</a:t>
             </a:r>
           </a:p>
           <a:p>
-            <a:endParaRPr lang="fr-FR" dirty="0"/>
-          </a:p>
-          <a:p>
-            <a:r>
-              <a:rPr lang="fr-FR" dirty="0"/>
+            <a:endParaRPr lang="fr-FR" dirty="0">
+              <a:solidFill>
+                <a:srgbClr val="0D0D0D"/>
+              </a:solidFill>
+            </a:endParaRPr>
+          </a:p>
+          <a:p>
+            <a:r>
+              <a:rPr lang="fr-FR" dirty="0">
+                <a:solidFill>
+                  <a:srgbClr val="0D0D0D"/>
+                </a:solidFill>
+              </a:rPr>
               <a:t>Il permettra de créer des interfaces utilisateur dynamique facilement</a:t>
             </a:r>
-            <a:endParaRPr lang="fr-FR" sz="1800" dirty="0"/>
+            <a:endParaRPr lang="fr-FR" sz="1800" dirty="0">
+              <a:solidFill>
+                <a:srgbClr val="0D0D0D"/>
+              </a:solidFill>
+            </a:endParaRPr>
           </a:p>
         </p:txBody>
       </p:sp>
@@ -3699,6 +3737,9 @@
             <a:pPr algn="ctr"/>
             <a:r>
               <a:rPr lang="fr-FR" sz="2800" dirty="0">
+                <a:solidFill>
+                  <a:srgbClr val="0D0D0D"/>
+                </a:solidFill>
                 <a:latin typeface="Montserrat" panose="00000500000000000000" pitchFamily="2" charset="0"/>
               </a:rPr>
               <a:t>Modales (frontend)</a:t>
@@ -3735,50 +3776,90 @@
           <a:lstStyle/>
           <a:p>
             <a:r>
-              <a:rPr lang="fr-FR" dirty="0" err="1"/>
+              <a:rPr lang="fr-FR" dirty="0" err="1">
+                <a:solidFill>
+                  <a:srgbClr val="0D0D0D"/>
+                </a:solidFill>
+              </a:rPr>
               <a:t>React</a:t>
             </a:r>
             <a:r>
-              <a:rPr lang="fr-FR" dirty="0"/>
+              <a:rPr lang="fr-FR" dirty="0">
+                <a:solidFill>
+                  <a:srgbClr val="0D0D0D"/>
+                </a:solidFill>
+              </a:rPr>
               <a:t>-modal est un module </a:t>
             </a:r>
             <a:r>
-              <a:rPr lang="fr-FR" dirty="0" err="1"/>
+              <a:rPr lang="fr-FR" dirty="0" err="1">
+                <a:solidFill>
+                  <a:srgbClr val="0D0D0D"/>
+                </a:solidFill>
+              </a:rPr>
               <a:t>React</a:t>
             </a:r>
-            <a:endParaRPr lang="fr-FR" dirty="0"/>
-          </a:p>
-          <a:p>
-            <a:endParaRPr lang="fr-FR" dirty="0"/>
-          </a:p>
-          <a:p>
-            <a:r>
-              <a:rPr lang="fr-FR" dirty="0"/>
+            <a:endParaRPr lang="fr-FR" dirty="0">
+              <a:solidFill>
+                <a:srgbClr val="0D0D0D"/>
+              </a:solidFill>
+            </a:endParaRPr>
+          </a:p>
+          <a:p>
+            <a:endParaRPr lang="fr-FR" dirty="0">
+              <a:solidFill>
+                <a:srgbClr val="0D0D0D"/>
+              </a:solidFill>
+            </a:endParaRPr>
+          </a:p>
+          <a:p>
+            <a:r>
+              <a:rPr lang="fr-FR" dirty="0">
+                <a:solidFill>
+                  <a:srgbClr val="0D0D0D"/>
+                </a:solidFill>
+              </a:rPr>
               <a:t>Il permettra de créer des modales facilement</a:t>
             </a:r>
           </a:p>
           <a:p>
-            <a:endParaRPr lang="fr-FR" sz="1800" dirty="0"/>
-          </a:p>
-          <a:p>
-            <a:r>
-              <a:rPr lang="fr-FR" dirty="0"/>
+            <a:endParaRPr lang="fr-FR" sz="1800" dirty="0">
+              <a:solidFill>
+                <a:srgbClr val="0D0D0D"/>
+              </a:solidFill>
+            </a:endParaRPr>
+          </a:p>
+          <a:p>
+            <a:r>
+              <a:rPr lang="fr-FR" dirty="0">
+                <a:solidFill>
+                  <a:srgbClr val="0D0D0D"/>
+                </a:solidFill>
+              </a:rPr>
               <a:t>Il est très utilisé et complète notre choix de </a:t>
             </a:r>
             <a:r>
-              <a:rPr lang="fr-FR" dirty="0" err="1"/>
+              <a:rPr lang="fr-FR" dirty="0" err="1">
+                <a:solidFill>
+                  <a:srgbClr val="0D0D0D"/>
+                </a:solidFill>
+              </a:rPr>
               <a:t>React</a:t>
             </a:r>
-            <a:endParaRPr lang="fr-FR" sz="1800" dirty="0"/>
+            <a:endParaRPr lang="fr-FR" sz="1800" dirty="0">
+              <a:solidFill>
+                <a:srgbClr val="0D0D0D"/>
+              </a:solidFill>
+            </a:endParaRPr>
           </a:p>
         </p:txBody>
       </p:sp>
       <p:pic>
         <p:nvPicPr>
-          <p:cNvPr id="8196" name="Picture 4" descr="React】react-modalの簡単実装するための9つの手順とハマりポイント | 武骨日記">
-            <a:extLst>
-              <a:ext uri="{FF2B5EF4-FFF2-40B4-BE49-F238E27FC236}">
-                <a16:creationId xmlns:a16="http://schemas.microsoft.com/office/drawing/2014/main" id="{0540780F-46E5-BB01-D4B9-97A615D9A11B}"/>
+          <p:cNvPr id="3074" name="Picture 2">
+            <a:extLst>
+              <a:ext uri="{FF2B5EF4-FFF2-40B4-BE49-F238E27FC236}">
+                <a16:creationId xmlns:a16="http://schemas.microsoft.com/office/drawing/2014/main" id="{87E5C30B-1DEB-F88F-57B5-E9DB7EF159CF}"/>
               </a:ext>
             </a:extLst>
           </p:cNvPr>
@@ -3802,8 +3883,8 @@
         </p:blipFill>
         <p:spPr bwMode="auto">
           <a:xfrm>
-            <a:off x="2870200" y="2590801"/>
-            <a:ext cx="1676402" cy="1676400"/>
+            <a:off x="2870201" y="2700130"/>
+            <a:ext cx="1676401" cy="1457740"/>
           </a:xfrm>
           <a:prstGeom prst="rect">
             <a:avLst/>
@@ -3928,6 +4009,9 @@
             <a:pPr algn="ctr"/>
             <a:r>
               <a:rPr lang="fr-FR" sz="2800" dirty="0">
+                <a:solidFill>
+                  <a:srgbClr val="0D0D0D"/>
+                </a:solidFill>
                 <a:latin typeface="Montserrat" panose="00000500000000000000" pitchFamily="2" charset="0"/>
               </a:rPr>
               <a:t>PDF (frontend)</a:t>
@@ -3964,41 +4048,81 @@
           <a:lstStyle/>
           <a:p>
             <a:r>
-              <a:rPr lang="fr-FR" dirty="0" err="1"/>
+              <a:rPr lang="fr-FR" dirty="0" err="1">
+                <a:solidFill>
+                  <a:srgbClr val="0D0D0D"/>
+                </a:solidFill>
+              </a:rPr>
               <a:t>React</a:t>
             </a:r>
             <a:r>
-              <a:rPr lang="fr-FR" dirty="0"/>
+              <a:rPr lang="fr-FR" dirty="0">
+                <a:solidFill>
+                  <a:srgbClr val="0D0D0D"/>
+                </a:solidFill>
+              </a:rPr>
               <a:t>-pdf est un module </a:t>
             </a:r>
             <a:r>
-              <a:rPr lang="fr-FR" dirty="0" err="1"/>
+              <a:rPr lang="fr-FR" dirty="0" err="1">
+                <a:solidFill>
+                  <a:srgbClr val="0D0D0D"/>
+                </a:solidFill>
+              </a:rPr>
               <a:t>React</a:t>
             </a:r>
-            <a:endParaRPr lang="fr-FR" dirty="0"/>
-          </a:p>
-          <a:p>
-            <a:endParaRPr lang="fr-FR" dirty="0"/>
-          </a:p>
-          <a:p>
-            <a:r>
-              <a:rPr lang="fr-FR" dirty="0"/>
+            <a:endParaRPr lang="fr-FR" dirty="0">
+              <a:solidFill>
+                <a:srgbClr val="0D0D0D"/>
+              </a:solidFill>
+            </a:endParaRPr>
+          </a:p>
+          <a:p>
+            <a:endParaRPr lang="fr-FR" dirty="0">
+              <a:solidFill>
+                <a:srgbClr val="0D0D0D"/>
+              </a:solidFill>
+            </a:endParaRPr>
+          </a:p>
+          <a:p>
+            <a:r>
+              <a:rPr lang="fr-FR" dirty="0">
+                <a:solidFill>
+                  <a:srgbClr val="0D0D0D"/>
+                </a:solidFill>
+              </a:rPr>
               <a:t>Il permettra de créer des pdf facilement</a:t>
             </a:r>
           </a:p>
           <a:p>
-            <a:endParaRPr lang="fr-FR" sz="1800" dirty="0"/>
-          </a:p>
-          <a:p>
-            <a:r>
-              <a:rPr lang="fr-FR" dirty="0"/>
-              <a:t>Il est populaire et complète notre choix de </a:t>
-            </a:r>
-            <a:r>
-              <a:rPr lang="fr-FR" dirty="0" err="1"/>
+            <a:endParaRPr lang="fr-FR" sz="1800" dirty="0">
+              <a:solidFill>
+                <a:srgbClr val="0D0D0D"/>
+              </a:solidFill>
+            </a:endParaRPr>
+          </a:p>
+          <a:p>
+            <a:r>
+              <a:rPr lang="fr-FR" dirty="0">
+                <a:solidFill>
+                  <a:srgbClr val="0D0D0D"/>
+                </a:solidFill>
+              </a:rPr>
+              <a:t>Il est populaire et il complète notre choix de </a:t>
+            </a:r>
+            <a:r>
+              <a:rPr lang="fr-FR" dirty="0" err="1">
+                <a:solidFill>
+                  <a:srgbClr val="0D0D0D"/>
+                </a:solidFill>
+              </a:rPr>
               <a:t>React</a:t>
             </a:r>
-            <a:endParaRPr lang="fr-FR" sz="1800" dirty="0"/>
+            <a:endParaRPr lang="fr-FR" sz="1800" dirty="0">
+              <a:solidFill>
+                <a:srgbClr val="0D0D0D"/>
+              </a:solidFill>
+            </a:endParaRPr>
           </a:p>
         </p:txBody>
       </p:sp>
@@ -4032,6 +4156,36 @@
           <a:chExt cx="0" cy="0"/>
         </a:xfrm>
       </p:grpSpPr>
+      <p:pic>
+        <p:nvPicPr>
+          <p:cNvPr id="4" name="Image 3">
+            <a:extLst>
+              <a:ext uri="{FF2B5EF4-FFF2-40B4-BE49-F238E27FC236}">
+                <a16:creationId xmlns:a16="http://schemas.microsoft.com/office/drawing/2014/main" id="{386070F5-334E-1904-2140-ABFB0973FBFF}"/>
+              </a:ext>
+            </a:extLst>
+          </p:cNvPr>
+          <p:cNvPicPr>
+            <a:picLocks noChangeAspect="1"/>
+          </p:cNvPicPr>
+          <p:nvPr/>
+        </p:nvPicPr>
+        <p:blipFill>
+          <a:blip r:embed="rId2"/>
+          <a:stretch>
+            <a:fillRect/>
+          </a:stretch>
+        </p:blipFill>
+        <p:spPr>
+          <a:xfrm>
+            <a:off x="3375505" y="1533237"/>
+            <a:ext cx="5440990" cy="3791526"/>
+          </a:xfrm>
+          <a:prstGeom prst="rect">
+            <a:avLst/>
+          </a:prstGeom>
+        </p:spPr>
+      </p:pic>
       <p:sp>
         <p:nvSpPr>
           <p:cNvPr id="2" name="ZoneTexte 1">
@@ -4046,8 +4200,8 @@
         </p:nvSpPr>
         <p:spPr>
           <a:xfrm>
-            <a:off x="3708401" y="2905780"/>
-            <a:ext cx="4775198" cy="954107"/>
+            <a:off x="3708401" y="411962"/>
+            <a:ext cx="4775198" cy="523220"/>
           </a:xfrm>
           <a:prstGeom prst="rect">
             <a:avLst/>
@@ -4065,17 +4219,8 @@
               <a:rPr lang="fr-FR" sz="2800" dirty="0">
                 <a:latin typeface="Montserrat" panose="00000500000000000000" pitchFamily="2" charset="0"/>
               </a:rPr>
-              <a:t>Communication avec </a:t>
-            </a:r>
-            <a:r>
-              <a:rPr lang="fr-FR" sz="2800" dirty="0" err="1">
-                <a:latin typeface="Montserrat" panose="00000500000000000000" pitchFamily="2" charset="0"/>
-              </a:rPr>
-              <a:t>Qwenta</a:t>
-            </a:r>
-            <a:endParaRPr lang="fr-FR" sz="2800" dirty="0">
-              <a:latin typeface="Montserrat" panose="00000500000000000000" pitchFamily="2" charset="0"/>
-            </a:endParaRPr>
+              <a:t>Schémas</a:t>
+            </a:r>
           </a:p>
         </p:txBody>
       </p:sp>
@@ -4123,7 +4268,305 @@
         </p:nvSpPr>
         <p:spPr>
           <a:xfrm>
-            <a:off x="3708401" y="2905780"/>
+            <a:off x="3001818" y="264180"/>
+            <a:ext cx="6188364" cy="523220"/>
+          </a:xfrm>
+          <a:prstGeom prst="rect">
+            <a:avLst/>
+          </a:prstGeom>
+          <a:noFill/>
+        </p:spPr>
+        <p:txBody>
+          <a:bodyPr wrap="square" rtlCol="0">
+            <a:spAutoFit/>
+          </a:bodyPr>
+          <a:lstStyle/>
+          <a:p>
+            <a:pPr algn="ctr"/>
+            <a:r>
+              <a:rPr lang="fr-FR" sz="2800" dirty="0">
+                <a:solidFill>
+                  <a:srgbClr val="0D0D0D"/>
+                </a:solidFill>
+                <a:latin typeface="Montserrat" panose="00000500000000000000" pitchFamily="2" charset="0"/>
+              </a:rPr>
+              <a:t>La communication avec </a:t>
+            </a:r>
+            <a:r>
+              <a:rPr lang="fr-FR" sz="2800" dirty="0" err="1">
+                <a:solidFill>
+                  <a:srgbClr val="0D0D0D"/>
+                </a:solidFill>
+                <a:latin typeface="Montserrat" panose="00000500000000000000" pitchFamily="2" charset="0"/>
+              </a:rPr>
+              <a:t>Qwenta</a:t>
+            </a:r>
+            <a:endParaRPr lang="fr-FR" sz="2800" dirty="0">
+              <a:solidFill>
+                <a:srgbClr val="0D0D0D"/>
+              </a:solidFill>
+              <a:latin typeface="Montserrat" panose="00000500000000000000" pitchFamily="2" charset="0"/>
+            </a:endParaRPr>
+          </a:p>
+        </p:txBody>
+      </p:sp>
+      <p:grpSp>
+        <p:nvGrpSpPr>
+          <p:cNvPr id="7" name="Groupe 6">
+            <a:extLst>
+              <a:ext uri="{FF2B5EF4-FFF2-40B4-BE49-F238E27FC236}">
+                <a16:creationId xmlns:a16="http://schemas.microsoft.com/office/drawing/2014/main" id="{CE963D70-58D4-59C3-7849-76849656A1D6}"/>
+              </a:ext>
+            </a:extLst>
+          </p:cNvPr>
+          <p:cNvGrpSpPr/>
+          <p:nvPr/>
+        </p:nvGrpSpPr>
+        <p:grpSpPr>
+          <a:xfrm>
+            <a:off x="2347364" y="2716768"/>
+            <a:ext cx="7497271" cy="1424463"/>
+            <a:chOff x="3957182" y="2628412"/>
+            <a:chExt cx="7497271" cy="1424463"/>
+          </a:xfrm>
+        </p:grpSpPr>
+        <p:pic>
+          <p:nvPicPr>
+            <p:cNvPr id="4" name="Image 3" descr="Une image contenant noir, obscurité&#10;&#10;Description générée automatiquement">
+              <a:extLst>
+                <a:ext uri="{FF2B5EF4-FFF2-40B4-BE49-F238E27FC236}">
+                  <a16:creationId xmlns:a16="http://schemas.microsoft.com/office/drawing/2014/main" id="{61CE771F-5DD1-9EDD-BA0D-8845BE0ED246}"/>
+                </a:ext>
+              </a:extLst>
+            </p:cNvPr>
+            <p:cNvPicPr>
+              <a:picLocks noChangeAspect="1"/>
+            </p:cNvPicPr>
+            <p:nvPr/>
+          </p:nvPicPr>
+          <p:blipFill>
+            <a:blip r:embed="rId2">
+              <a:extLst>
+                <a:ext uri="{28A0092B-C50C-407E-A947-70E740481C1C}">
+                  <a14:useLocalDpi xmlns:a14="http://schemas.microsoft.com/office/drawing/2010/main" val="0"/>
+                </a:ext>
+              </a:extLst>
+            </a:blip>
+            <a:stretch>
+              <a:fillRect/>
+            </a:stretch>
+          </p:blipFill>
+          <p:spPr>
+            <a:xfrm flipH="1">
+              <a:off x="3957182" y="2628412"/>
+              <a:ext cx="1371598" cy="1371598"/>
+            </a:xfrm>
+            <a:prstGeom prst="rect">
+              <a:avLst/>
+            </a:prstGeom>
+          </p:spPr>
+        </p:pic>
+        <p:sp>
+          <p:nvSpPr>
+            <p:cNvPr id="6" name="ZoneTexte 5">
+              <a:extLst>
+                <a:ext uri="{FF2B5EF4-FFF2-40B4-BE49-F238E27FC236}">
+                  <a16:creationId xmlns:a16="http://schemas.microsoft.com/office/drawing/2014/main" id="{A11C19B3-BA20-8F50-F935-37AF0AACE596}"/>
+                </a:ext>
+              </a:extLst>
+            </p:cNvPr>
+            <p:cNvSpPr txBox="1"/>
+            <p:nvPr/>
+          </p:nvSpPr>
+          <p:spPr>
+            <a:xfrm>
+              <a:off x="5735175" y="2852546"/>
+              <a:ext cx="5719278" cy="1200329"/>
+            </a:xfrm>
+            <a:prstGeom prst="rect">
+              <a:avLst/>
+            </a:prstGeom>
+            <a:noFill/>
+          </p:spPr>
+          <p:txBody>
+            <a:bodyPr wrap="square" rtlCol="0">
+              <a:spAutoFit/>
+            </a:bodyPr>
+            <a:lstStyle/>
+            <a:p>
+              <a:r>
+                <a:rPr lang="fr-FR" b="0" i="0" dirty="0">
+                  <a:solidFill>
+                    <a:srgbClr val="0D0D0D"/>
+                  </a:solidFill>
+                  <a:effectLst/>
+                  <a:latin typeface="Inter"/>
+                </a:rPr>
+                <a:t>Soufiane, Product </a:t>
+              </a:r>
+              <a:r>
+                <a:rPr lang="fr-FR" b="0" i="0" dirty="0" err="1">
+                  <a:solidFill>
+                    <a:srgbClr val="0D0D0D"/>
+                  </a:solidFill>
+                  <a:effectLst/>
+                  <a:latin typeface="Inter"/>
+                </a:rPr>
+                <a:t>Owner</a:t>
+              </a:r>
+              <a:endParaRPr lang="fr-FR" b="0" i="0" dirty="0">
+                <a:solidFill>
+                  <a:srgbClr val="0D0D0D"/>
+                </a:solidFill>
+                <a:effectLst/>
+                <a:latin typeface="Inter"/>
+              </a:endParaRPr>
+            </a:p>
+            <a:p>
+              <a:endParaRPr lang="fr-FR" sz="1800" dirty="0">
+                <a:solidFill>
+                  <a:srgbClr val="0D0D0D"/>
+                </a:solidFill>
+                <a:latin typeface="Inter"/>
+              </a:endParaRPr>
+            </a:p>
+            <a:p>
+              <a:r>
+                <a:rPr lang="fr-FR" dirty="0">
+                  <a:solidFill>
+                    <a:srgbClr val="0D0D0D"/>
+                  </a:solidFill>
+                  <a:latin typeface="Inter"/>
+                </a:rPr>
+                <a:t>Sera l’interlocuteur principal de </a:t>
+              </a:r>
+              <a:r>
+                <a:rPr lang="fr-FR" dirty="0" err="1">
+                  <a:solidFill>
+                    <a:srgbClr val="0D0D0D"/>
+                  </a:solidFill>
+                  <a:latin typeface="Inter"/>
+                </a:rPr>
+                <a:t>Qwenta</a:t>
+              </a:r>
+              <a:endParaRPr lang="fr-FR" dirty="0">
+                <a:solidFill>
+                  <a:srgbClr val="0D0D0D"/>
+                </a:solidFill>
+                <a:latin typeface="Inter"/>
+              </a:endParaRPr>
+            </a:p>
+            <a:p>
+              <a:r>
+                <a:rPr lang="fr-FR" sz="1800" dirty="0">
+                  <a:solidFill>
+                    <a:srgbClr val="0D0D0D"/>
+                  </a:solidFill>
+                  <a:latin typeface="Inter"/>
+                </a:rPr>
+                <a:t>Et transmettra toutes les informations utiles aux équipes</a:t>
+              </a:r>
+              <a:endParaRPr lang="fr-FR" sz="1800" dirty="0">
+                <a:solidFill>
+                  <a:srgbClr val="0D0D0D"/>
+                </a:solidFill>
+              </a:endParaRPr>
+            </a:p>
+          </p:txBody>
+        </p:sp>
+      </p:grpSp>
+      <p:sp>
+        <p:nvSpPr>
+          <p:cNvPr id="3" name="ZoneTexte 2">
+            <a:extLst>
+              <a:ext uri="{FF2B5EF4-FFF2-40B4-BE49-F238E27FC236}">
+                <a16:creationId xmlns:a16="http://schemas.microsoft.com/office/drawing/2014/main" id="{D64772A1-E2A1-55D3-9601-41E18A9AEB76}"/>
+              </a:ext>
+            </a:extLst>
+          </p:cNvPr>
+          <p:cNvSpPr txBox="1"/>
+          <p:nvPr/>
+        </p:nvSpPr>
+        <p:spPr>
+          <a:xfrm>
+            <a:off x="432987" y="4885771"/>
+            <a:ext cx="11326026" cy="369332"/>
+          </a:xfrm>
+          <a:prstGeom prst="rect">
+            <a:avLst/>
+          </a:prstGeom>
+          <a:noFill/>
+        </p:spPr>
+        <p:txBody>
+          <a:bodyPr wrap="square" rtlCol="0">
+            <a:spAutoFit/>
+          </a:bodyPr>
+          <a:lstStyle/>
+          <a:p>
+            <a:pPr algn="ctr"/>
+            <a:r>
+              <a:rPr lang="fr-FR" b="0" i="0" dirty="0">
+                <a:solidFill>
+                  <a:srgbClr val="0D0D0D"/>
+                </a:solidFill>
+                <a:effectLst/>
+                <a:latin typeface="Inter"/>
+              </a:rPr>
+              <a:t>Des points se feront chaque semaine avec toute l’équipe et le client en visioconférence ainsi qu’à la fin des sprints</a:t>
+            </a:r>
+            <a:endParaRPr lang="fr-FR" sz="1800" dirty="0">
+              <a:solidFill>
+                <a:srgbClr val="0D0D0D"/>
+              </a:solidFill>
+            </a:endParaRPr>
+          </a:p>
+        </p:txBody>
+      </p:sp>
+    </p:spTree>
+    <p:extLst>
+      <p:ext uri="{BB962C8B-B14F-4D97-AF65-F5344CB8AC3E}">
+        <p14:creationId xmlns:p14="http://schemas.microsoft.com/office/powerpoint/2010/main" val="236359849"/>
+      </p:ext>
+    </p:extLst>
+  </p:cSld>
+  <p:clrMapOvr>
+    <a:masterClrMapping/>
+  </p:clrMapOvr>
+</p:sld>
+</file>
+
+<file path=ppt/slides/slide15.xml><?xml version="1.0" encoding="utf-8"?>
+<p:sld xmlns:a="http://schemas.openxmlformats.org/drawingml/2006/main" xmlns:r="http://schemas.openxmlformats.org/officeDocument/2006/relationships" xmlns:p="http://schemas.openxmlformats.org/presentationml/2006/main">
+  <p:cSld>
+    <p:spTree>
+      <p:nvGrpSpPr>
+        <p:cNvPr id="1" name=""/>
+        <p:cNvGrpSpPr/>
+        <p:nvPr/>
+      </p:nvGrpSpPr>
+      <p:grpSpPr>
+        <a:xfrm>
+          <a:off x="0" y="0"/>
+          <a:ext cx="0" cy="0"/>
+          <a:chOff x="0" y="0"/>
+          <a:chExt cx="0" cy="0"/>
+        </a:xfrm>
+      </p:grpSpPr>
+      <p:sp>
+        <p:nvSpPr>
+          <p:cNvPr id="2" name="ZoneTexte 1">
+            <a:extLst>
+              <a:ext uri="{FF2B5EF4-FFF2-40B4-BE49-F238E27FC236}">
+                <a16:creationId xmlns:a16="http://schemas.microsoft.com/office/drawing/2014/main" id="{32B4C4F9-BEB9-9244-F0AE-E5DD1B0A15BC}"/>
+              </a:ext>
+            </a:extLst>
+          </p:cNvPr>
+          <p:cNvSpPr txBox="1"/>
+          <p:nvPr/>
+        </p:nvSpPr>
+        <p:spPr>
+          <a:xfrm>
+            <a:off x="3708401" y="380295"/>
             <a:ext cx="4775198" cy="523220"/>
           </a:xfrm>
           <a:prstGeom prst="rect">
@@ -4142,8 +4585,116 @@
               <a:rPr lang="fr-FR" sz="2800" dirty="0">
                 <a:latin typeface="Montserrat" panose="00000500000000000000" pitchFamily="2" charset="0"/>
               </a:rPr>
-              <a:t>Autres</a:t>
-            </a:r>
+              <a:t>Hébergement</a:t>
+            </a:r>
+          </a:p>
+        </p:txBody>
+      </p:sp>
+      <p:pic>
+        <p:nvPicPr>
+          <p:cNvPr id="2050" name="Picture 2">
+            <a:extLst>
+              <a:ext uri="{FF2B5EF4-FFF2-40B4-BE49-F238E27FC236}">
+                <a16:creationId xmlns:a16="http://schemas.microsoft.com/office/drawing/2014/main" id="{CE9BFE49-C83C-60E3-2134-BB981DF852F3}"/>
+              </a:ext>
+            </a:extLst>
+          </p:cNvPr>
+          <p:cNvPicPr>
+            <a:picLocks noChangeAspect="1" noChangeArrowheads="1"/>
+          </p:cNvPicPr>
+          <p:nvPr/>
+        </p:nvPicPr>
+        <p:blipFill>
+          <a:blip r:embed="rId2">
+            <a:extLst>
+              <a:ext uri="{28A0092B-C50C-407E-A947-70E740481C1C}">
+                <a14:useLocalDpi xmlns:a14="http://schemas.microsoft.com/office/drawing/2010/main" val="0"/>
+              </a:ext>
+            </a:extLst>
+          </a:blip>
+          <a:srcRect/>
+          <a:stretch>
+            <a:fillRect/>
+          </a:stretch>
+        </p:blipFill>
+        <p:spPr bwMode="auto">
+          <a:xfrm>
+            <a:off x="2318431" y="2547257"/>
+            <a:ext cx="2779940" cy="1763486"/>
+          </a:xfrm>
+          <a:prstGeom prst="rect">
+            <a:avLst/>
+          </a:prstGeom>
+          <a:noFill/>
+          <a:extLst>
+            <a:ext uri="{909E8E84-426E-40DD-AFC4-6F175D3DCCD1}">
+              <a14:hiddenFill xmlns:a14="http://schemas.microsoft.com/office/drawing/2010/main">
+                <a:solidFill>
+                  <a:srgbClr val="FFFFFF"/>
+                </a:solidFill>
+              </a14:hiddenFill>
+            </a:ext>
+          </a:extLst>
+        </p:spPr>
+      </p:pic>
+      <p:sp>
+        <p:nvSpPr>
+          <p:cNvPr id="5" name="ZoneTexte 4">
+            <a:extLst>
+              <a:ext uri="{FF2B5EF4-FFF2-40B4-BE49-F238E27FC236}">
+                <a16:creationId xmlns:a16="http://schemas.microsoft.com/office/drawing/2014/main" id="{4B6C6753-2C1F-A6CA-2C60-D822423A19DD}"/>
+              </a:ext>
+            </a:extLst>
+          </p:cNvPr>
+          <p:cNvSpPr txBox="1"/>
+          <p:nvPr/>
+        </p:nvSpPr>
+        <p:spPr>
+          <a:xfrm>
+            <a:off x="6299197" y="2690336"/>
+            <a:ext cx="4775197" cy="1477328"/>
+          </a:xfrm>
+          <a:prstGeom prst="rect">
+            <a:avLst/>
+          </a:prstGeom>
+          <a:noFill/>
+        </p:spPr>
+        <p:txBody>
+          <a:bodyPr wrap="square" rtlCol="0">
+            <a:spAutoFit/>
+          </a:bodyPr>
+          <a:lstStyle/>
+          <a:p>
+            <a:r>
+              <a:rPr lang="fr-FR" dirty="0">
+                <a:solidFill>
+                  <a:srgbClr val="0D0D0D"/>
+                </a:solidFill>
+              </a:rPr>
+              <a:t>Un VPS chez OVH nous permettra d’héberger facilement le projet</a:t>
+            </a:r>
+          </a:p>
+          <a:p>
+            <a:endParaRPr lang="fr-FR" dirty="0">
+              <a:solidFill>
+                <a:srgbClr val="0D0D0D"/>
+              </a:solidFill>
+            </a:endParaRPr>
+          </a:p>
+          <a:p>
+            <a:r>
+              <a:rPr lang="fr-FR" dirty="0">
+                <a:solidFill>
+                  <a:srgbClr val="0D0D0D"/>
+                </a:solidFill>
+              </a:rPr>
+              <a:t>Et permettra également une évolutivité de caractéristique en cas de besoin</a:t>
+            </a:r>
+            <a:endParaRPr lang="fr-FR" sz="1800" dirty="0">
+              <a:solidFill>
+                <a:srgbClr val="0D0D0D"/>
+              </a:solidFill>
+            </a:endParaRPr>
           </a:p>
         </p:txBody>
       </p:sp>
@@ -4208,6 +4759,9 @@
             <a:pPr algn="ctr"/>
             <a:r>
               <a:rPr lang="fr-FR" sz="2800" dirty="0">
+                <a:solidFill>
+                  <a:srgbClr val="0D0D0D"/>
+                </a:solidFill>
                 <a:latin typeface="Montserrat" panose="00000500000000000000" pitchFamily="2" charset="0"/>
               </a:rPr>
               <a:t>Choix Technologiques Backend</a:t>
@@ -4276,6 +4830,9 @@
             <a:pPr algn="ctr"/>
             <a:r>
               <a:rPr lang="fr-FR" sz="2800" dirty="0">
+                <a:solidFill>
+                  <a:srgbClr val="0D0D0D"/>
+                </a:solidFill>
                 <a:latin typeface="Montserrat" panose="00000500000000000000" pitchFamily="2" charset="0"/>
               </a:rPr>
               <a:t>Backend</a:t>
@@ -4360,10 +4917,18 @@
           <a:p>
             <a:pPr algn="ctr"/>
             <a:r>
-              <a:rPr lang="fr-FR" dirty="0"/>
+              <a:rPr lang="fr-FR" dirty="0">
+                <a:solidFill>
+                  <a:srgbClr val="0D0D0D"/>
+                </a:solidFill>
+              </a:rPr>
               <a:t>Utilisé par des plateformes comme Netflix, LinkedIn</a:t>
             </a:r>
-            <a:endParaRPr lang="fr-FR" sz="1600" dirty="0"/>
+            <a:endParaRPr lang="fr-FR" sz="1600" dirty="0">
+              <a:solidFill>
+                <a:srgbClr val="0D0D0D"/>
+              </a:solidFill>
+            </a:endParaRPr>
           </a:p>
         </p:txBody>
       </p:sp>
@@ -4396,21 +4961,41 @@
           <a:lstStyle/>
           <a:p>
             <a:r>
-              <a:rPr lang="fr-FR" dirty="0" err="1"/>
+              <a:rPr lang="fr-FR" dirty="0" err="1">
+                <a:solidFill>
+                  <a:srgbClr val="0D0D0D"/>
+                </a:solidFill>
+              </a:rPr>
               <a:t>NodeJS</a:t>
             </a:r>
             <a:r>
-              <a:rPr lang="fr-FR" dirty="0"/>
+              <a:rPr lang="fr-FR" dirty="0">
+                <a:solidFill>
+                  <a:srgbClr val="0D0D0D"/>
+                </a:solidFill>
+              </a:rPr>
               <a:t> est un environnement d’exécution Javascript open source et multiplateforme</a:t>
             </a:r>
             <a:br>
-              <a:rPr lang="fr-FR" dirty="0"/>
+              <a:rPr lang="fr-FR" dirty="0">
+                <a:solidFill>
+                  <a:srgbClr val="0D0D0D"/>
+                </a:solidFill>
+              </a:rPr>
             </a:br>
-            <a:endParaRPr lang="fr-FR" dirty="0"/>
-          </a:p>
-          <a:p>
-            <a:r>
-              <a:rPr lang="fr-FR" sz="1800" dirty="0"/>
+            <a:endParaRPr lang="fr-FR" dirty="0">
+              <a:solidFill>
+                <a:srgbClr val="0D0D0D"/>
+              </a:solidFill>
+            </a:endParaRPr>
+          </a:p>
+          <a:p>
+            <a:r>
+              <a:rPr lang="fr-FR" sz="1800" dirty="0">
+                <a:solidFill>
+                  <a:srgbClr val="0D0D0D"/>
+                </a:solidFill>
+              </a:rPr>
               <a:t>Il permettra d’installer des paquets et d’exécuter du javascript coté serveur</a:t>
             </a:r>
           </a:p>
@@ -4477,6 +5062,9 @@
             <a:pPr algn="ctr"/>
             <a:r>
               <a:rPr lang="fr-FR" sz="2800" dirty="0">
+                <a:solidFill>
+                  <a:srgbClr val="0D0D0D"/>
+                </a:solidFill>
                 <a:latin typeface="Montserrat" panose="00000500000000000000" pitchFamily="2" charset="0"/>
               </a:rPr>
               <a:t>API (backend)</a:t>
@@ -4513,25 +5101,49 @@
           <a:lstStyle/>
           <a:p>
             <a:r>
-              <a:rPr lang="fr-FR" dirty="0" err="1"/>
+              <a:rPr lang="fr-FR" dirty="0" err="1">
+                <a:solidFill>
+                  <a:srgbClr val="0D0D0D"/>
+                </a:solidFill>
+              </a:rPr>
               <a:t>ExpressJS</a:t>
             </a:r>
             <a:r>
-              <a:rPr lang="fr-FR" dirty="0"/>
+              <a:rPr lang="fr-FR" dirty="0">
+                <a:solidFill>
+                  <a:srgbClr val="0D0D0D"/>
+                </a:solidFill>
+              </a:rPr>
               <a:t> est un Framework pour </a:t>
             </a:r>
             <a:r>
-              <a:rPr lang="fr-FR" dirty="0" err="1"/>
+              <a:rPr lang="fr-FR" dirty="0" err="1">
+                <a:solidFill>
+                  <a:srgbClr val="0D0D0D"/>
+                </a:solidFill>
+              </a:rPr>
               <a:t>NodeJS</a:t>
             </a:r>
-            <a:endParaRPr lang="fr-FR" dirty="0"/>
-          </a:p>
-          <a:p>
-            <a:endParaRPr lang="fr-FR" dirty="0"/>
-          </a:p>
-          <a:p>
-            <a:r>
-              <a:rPr lang="fr-FR" sz="1800" dirty="0"/>
+            <a:endParaRPr lang="fr-FR" dirty="0">
+              <a:solidFill>
+                <a:srgbClr val="0D0D0D"/>
+              </a:solidFill>
+            </a:endParaRPr>
+          </a:p>
+          <a:p>
+            <a:endParaRPr lang="fr-FR" dirty="0">
+              <a:solidFill>
+                <a:srgbClr val="0D0D0D"/>
+              </a:solidFill>
+            </a:endParaRPr>
+          </a:p>
+          <a:p>
+            <a:r>
+              <a:rPr lang="fr-FR" sz="1800" dirty="0">
+                <a:solidFill>
+                  <a:srgbClr val="0D0D0D"/>
+                </a:solidFill>
+              </a:rPr>
               <a:t>Il permettra de créer une api performante facilement</a:t>
             </a:r>
           </a:p>
@@ -4645,6 +5257,9 @@
             <a:pPr algn="ctr"/>
             <a:r>
               <a:rPr lang="fr-FR" sz="2800" dirty="0">
+                <a:solidFill>
+                  <a:srgbClr val="0D0D0D"/>
+                </a:solidFill>
                 <a:latin typeface="Montserrat" panose="00000500000000000000" pitchFamily="2" charset="0"/>
               </a:rPr>
               <a:t>Envoie de mail (backend)</a:t>
@@ -4681,57 +5296,113 @@
           <a:lstStyle/>
           <a:p>
             <a:r>
-              <a:rPr lang="fr-FR" dirty="0" err="1"/>
+              <a:rPr lang="fr-FR" dirty="0" err="1">
+                <a:solidFill>
+                  <a:srgbClr val="0D0D0D"/>
+                </a:solidFill>
+              </a:rPr>
               <a:t>Nodemailer</a:t>
             </a:r>
             <a:r>
-              <a:rPr lang="fr-FR" dirty="0"/>
+              <a:rPr lang="fr-FR" dirty="0">
+                <a:solidFill>
+                  <a:srgbClr val="0D0D0D"/>
+                </a:solidFill>
+              </a:rPr>
               <a:t> est un module pour </a:t>
             </a:r>
             <a:r>
-              <a:rPr lang="fr-FR" dirty="0" err="1"/>
+              <a:rPr lang="fr-FR" dirty="0" err="1">
+                <a:solidFill>
+                  <a:srgbClr val="0D0D0D"/>
+                </a:solidFill>
+              </a:rPr>
               <a:t>NodeJS</a:t>
             </a:r>
-            <a:endParaRPr lang="fr-FR" dirty="0"/>
-          </a:p>
-          <a:p>
-            <a:endParaRPr lang="fr-FR" dirty="0"/>
-          </a:p>
-          <a:p>
-            <a:r>
-              <a:rPr lang="fr-FR" sz="1800" dirty="0"/>
+            <a:endParaRPr lang="fr-FR" dirty="0">
+              <a:solidFill>
+                <a:srgbClr val="0D0D0D"/>
+              </a:solidFill>
+            </a:endParaRPr>
+          </a:p>
+          <a:p>
+            <a:endParaRPr lang="fr-FR" dirty="0">
+              <a:solidFill>
+                <a:srgbClr val="0D0D0D"/>
+              </a:solidFill>
+            </a:endParaRPr>
+          </a:p>
+          <a:p>
+            <a:r>
+              <a:rPr lang="fr-FR" sz="1800" dirty="0">
+                <a:solidFill>
+                  <a:srgbClr val="0D0D0D"/>
+                </a:solidFill>
+              </a:rPr>
               <a:t>Il permettra de se connecter au serveur mail de </a:t>
             </a:r>
             <a:r>
-              <a:rPr lang="fr-FR" sz="1800" dirty="0" err="1"/>
+              <a:rPr lang="fr-FR" sz="1800" dirty="0" err="1">
+                <a:solidFill>
+                  <a:srgbClr val="0D0D0D"/>
+                </a:solidFill>
+              </a:rPr>
               <a:t>Qwenta</a:t>
             </a:r>
             <a:r>
-              <a:rPr lang="fr-FR" sz="1800" dirty="0"/>
+              <a:rPr lang="fr-FR" sz="1800" dirty="0">
+                <a:solidFill>
+                  <a:srgbClr val="0D0D0D"/>
+                </a:solidFill>
+              </a:rPr>
               <a:t> </a:t>
             </a:r>
             <a:r>
-              <a:rPr lang="fr-FR" dirty="0"/>
+              <a:rPr lang="fr-FR" dirty="0">
+                <a:solidFill>
+                  <a:srgbClr val="0D0D0D"/>
+                </a:solidFill>
+              </a:rPr>
               <a:t>afin d</a:t>
             </a:r>
             <a:r>
-              <a:rPr lang="fr-FR" sz="1800" dirty="0"/>
+              <a:rPr lang="fr-FR" sz="1800" dirty="0">
+                <a:solidFill>
+                  <a:srgbClr val="0D0D0D"/>
+                </a:solidFill>
+              </a:rPr>
               <a:t>’envoyer les mails d’authentifications aux </a:t>
             </a:r>
             <a:r>
-              <a:rPr lang="fr-FR" dirty="0"/>
+              <a:rPr lang="fr-FR" dirty="0">
+                <a:solidFill>
+                  <a:srgbClr val="0D0D0D"/>
+                </a:solidFill>
+              </a:rPr>
               <a:t>utilisateurs</a:t>
             </a:r>
           </a:p>
           <a:p>
-            <a:endParaRPr lang="fr-FR" sz="1800" dirty="0"/>
-          </a:p>
-          <a:p>
-            <a:r>
-              <a:rPr lang="fr-FR" dirty="0"/>
+            <a:endParaRPr lang="fr-FR" sz="1800" dirty="0">
+              <a:solidFill>
+                <a:srgbClr val="0D0D0D"/>
+              </a:solidFill>
+            </a:endParaRPr>
+          </a:p>
+          <a:p>
+            <a:r>
+              <a:rPr lang="fr-FR" dirty="0">
+                <a:solidFill>
+                  <a:srgbClr val="0D0D0D"/>
+                </a:solidFill>
+              </a:rPr>
               <a:t>Il est simple et facile d’utilisation</a:t>
             </a:r>
-            <a:endParaRPr lang="fr-FR" sz="1800" dirty="0"/>
+            <a:endParaRPr lang="fr-FR" sz="1800" dirty="0">
+              <a:solidFill>
+                <a:srgbClr val="0D0D0D"/>
+              </a:solidFill>
+            </a:endParaRPr>
           </a:p>
         </p:txBody>
       </p:sp>
@@ -4843,6 +5514,9 @@
             <a:pPr algn="ctr"/>
             <a:r>
               <a:rPr lang="fr-FR" sz="2800" dirty="0">
+                <a:solidFill>
+                  <a:srgbClr val="0D0D0D"/>
+                </a:solidFill>
                 <a:latin typeface="Montserrat" panose="00000500000000000000" pitchFamily="2" charset="0"/>
               </a:rPr>
               <a:t>Base de données (backend)</a:t>
@@ -4879,31 +5553,59 @@
           <a:lstStyle/>
           <a:p>
             <a:r>
-              <a:rPr lang="fr-FR" dirty="0" err="1"/>
+              <a:rPr lang="fr-FR" dirty="0" err="1">
+                <a:solidFill>
+                  <a:srgbClr val="0D0D0D"/>
+                </a:solidFill>
+              </a:rPr>
               <a:t>MariaDB</a:t>
             </a:r>
             <a:r>
-              <a:rPr lang="fr-FR" dirty="0"/>
+              <a:rPr lang="fr-FR" dirty="0">
+                <a:solidFill>
+                  <a:srgbClr val="0D0D0D"/>
+                </a:solidFill>
+              </a:rPr>
               <a:t> est une base de données SQL</a:t>
             </a:r>
           </a:p>
           <a:p>
-            <a:endParaRPr lang="fr-FR" dirty="0"/>
-          </a:p>
-          <a:p>
-            <a:r>
-              <a:rPr lang="fr-FR" dirty="0"/>
+            <a:endParaRPr lang="fr-FR" dirty="0">
+              <a:solidFill>
+                <a:srgbClr val="0D0D0D"/>
+              </a:solidFill>
+            </a:endParaRPr>
+          </a:p>
+          <a:p>
+            <a:r>
+              <a:rPr lang="fr-FR" dirty="0">
+                <a:solidFill>
+                  <a:srgbClr val="0D0D0D"/>
+                </a:solidFill>
+              </a:rPr>
               <a:t>Elle permettra de stocker les informations, les menus et le </a:t>
             </a:r>
             <a:r>
-              <a:rPr lang="fr-FR" dirty="0" err="1"/>
+              <a:rPr lang="fr-FR" dirty="0" err="1">
+                <a:solidFill>
+                  <a:srgbClr val="0D0D0D"/>
+                </a:solidFill>
+              </a:rPr>
               <a:t>branding</a:t>
             </a:r>
             <a:r>
-              <a:rPr lang="fr-FR" dirty="0"/>
+              <a:rPr lang="fr-FR" dirty="0">
+                <a:solidFill>
+                  <a:srgbClr val="0D0D0D"/>
+                </a:solidFill>
+              </a:rPr>
               <a:t> des utilisateurs de façon stable et structuré </a:t>
             </a:r>
-            <a:endParaRPr lang="fr-FR" sz="1800" dirty="0"/>
+            <a:endParaRPr lang="fr-FR" sz="1800" dirty="0">
+              <a:solidFill>
+                <a:srgbClr val="0D0D0D"/>
+              </a:solidFill>
+            </a:endParaRPr>
           </a:p>
         </p:txBody>
       </p:sp>
@@ -5200,6 +5902,9 @@
             <a:pPr algn="ctr"/>
             <a:r>
               <a:rPr lang="fr-FR" sz="2800" dirty="0">
+                <a:solidFill>
+                  <a:srgbClr val="0D0D0D"/>
+                </a:solidFill>
                 <a:latin typeface="Montserrat" panose="00000500000000000000" pitchFamily="2" charset="0"/>
               </a:rPr>
               <a:t>API Externe (backend)</a:t>
@@ -5236,16 +5941,28 @@
           <a:lstStyle/>
           <a:p>
             <a:r>
-              <a:rPr lang="fr-FR" dirty="0"/>
+              <a:rPr lang="fr-FR" dirty="0">
+                <a:solidFill>
+                  <a:srgbClr val="0D0D0D"/>
+                </a:solidFill>
+              </a:rPr>
               <a:t>L’API d'Instagram sera utilisée afin de partager les menus directement sur Instagram</a:t>
             </a:r>
           </a:p>
           <a:p>
-            <a:endParaRPr lang="fr-FR" dirty="0"/>
-          </a:p>
-          <a:p>
-            <a:r>
-              <a:rPr lang="fr-FR" dirty="0"/>
+            <a:endParaRPr lang="fr-FR" dirty="0">
+              <a:solidFill>
+                <a:srgbClr val="0D0D0D"/>
+              </a:solidFill>
+            </a:endParaRPr>
+          </a:p>
+          <a:p>
+            <a:r>
+              <a:rPr lang="fr-FR" dirty="0">
+                <a:solidFill>
+                  <a:srgbClr val="0D0D0D"/>
+                </a:solidFill>
+              </a:rPr>
               <a:t>L’API de Deliveroo sera utilisée afin de publier sur les menus sur Deliveroo</a:t>
             </a:r>
           </a:p>
@@ -5253,10 +5970,10 @@
       </p:sp>
       <p:grpSp>
         <p:nvGrpSpPr>
-          <p:cNvPr id="3" name="Groupe 2">
-            <a:extLst>
-              <a:ext uri="{FF2B5EF4-FFF2-40B4-BE49-F238E27FC236}">
-                <a16:creationId xmlns:a16="http://schemas.microsoft.com/office/drawing/2014/main" id="{24AC1E02-3EE2-1F14-4FE2-15C1FB3324A6}"/>
+          <p:cNvPr id="7" name="Groupe 6">
+            <a:extLst>
+              <a:ext uri="{FF2B5EF4-FFF2-40B4-BE49-F238E27FC236}">
+                <a16:creationId xmlns:a16="http://schemas.microsoft.com/office/drawing/2014/main" id="{2448E09C-9774-F502-834F-FBAFD90EEB46}"/>
               </a:ext>
             </a:extLst>
           </p:cNvPr>
@@ -5265,10 +5982,10 @@
         </p:nvGrpSpPr>
         <p:grpSpPr>
           <a:xfrm>
-            <a:off x="1409700" y="2565400"/>
-            <a:ext cx="3718395" cy="1727200"/>
-            <a:chOff x="1879600" y="2565400"/>
-            <a:chExt cx="3718395" cy="1727200"/>
+            <a:off x="1584325" y="2565400"/>
+            <a:ext cx="3543770" cy="1727200"/>
+            <a:chOff x="1584325" y="2565400"/>
+            <a:chExt cx="3543770" cy="1727200"/>
           </a:xfrm>
         </p:grpSpPr>
         <p:pic>
@@ -5300,7 +6017,7 @@
           </p:blipFill>
           <p:spPr bwMode="auto">
             <a:xfrm>
-              <a:off x="3213099" y="2565400"/>
+              <a:off x="2743199" y="2565400"/>
               <a:ext cx="2384896" cy="1727200"/>
             </a:xfrm>
             <a:prstGeom prst="rect">
@@ -5320,10 +6037,10 @@
         </p:pic>
         <p:pic>
           <p:nvPicPr>
-            <p:cNvPr id="7172" name="Picture 4" descr="Instagram Logo - Vecteurs et PSD gratuits à télécharger">
+            <p:cNvPr id="1028" name="Picture 4">
               <a:extLst>
                 <a:ext uri="{FF2B5EF4-FFF2-40B4-BE49-F238E27FC236}">
-                  <a16:creationId xmlns:a16="http://schemas.microsoft.com/office/drawing/2014/main" id="{AD30B4FF-1528-4A62-23C3-40A628804B48}"/>
+                  <a16:creationId xmlns:a16="http://schemas.microsoft.com/office/drawing/2014/main" id="{650490D5-FBC4-0811-88D2-879A20771601}"/>
                 </a:ext>
               </a:extLst>
             </p:cNvPr>
@@ -5347,8 +6064,8 @@
           </p:blipFill>
           <p:spPr bwMode="auto">
             <a:xfrm>
-              <a:off x="1879600" y="2565400"/>
-              <a:ext cx="1727200" cy="1727200"/>
+              <a:off x="1584325" y="2740025"/>
+              <a:ext cx="1377950" cy="1377950"/>
             </a:xfrm>
             <a:prstGeom prst="rect">
               <a:avLst/>
@@ -5427,6 +6144,9 @@
             <a:pPr algn="ctr"/>
             <a:r>
               <a:rPr lang="fr-FR" sz="2800" dirty="0">
+                <a:solidFill>
+                  <a:srgbClr val="0D0D0D"/>
+                </a:solidFill>
                 <a:latin typeface="Montserrat" panose="00000500000000000000" pitchFamily="2" charset="0"/>
               </a:rPr>
               <a:t>Choix Technologiques</a:t>
@@ -5436,6 +6156,9 @@
             <a:pPr algn="ctr"/>
             <a:r>
               <a:rPr lang="fr-FR" sz="2800" dirty="0">
+                <a:solidFill>
+                  <a:srgbClr val="0D0D0D"/>
+                </a:solidFill>
                 <a:latin typeface="Montserrat" panose="00000500000000000000" pitchFamily="2" charset="0"/>
               </a:rPr>
               <a:t>Frontend</a:t>

--- a/Présentation - Solution Technique.pptx
+++ b/Présentation - Solution Technique.pptx
@@ -4490,7 +4490,7 @@
         <p:spPr>
           <a:xfrm>
             <a:off x="432987" y="4885771"/>
-            <a:ext cx="11326026" cy="369332"/>
+            <a:ext cx="11326026" cy="923330"/>
           </a:xfrm>
           <a:prstGeom prst="rect">
             <a:avLst/>
@@ -4512,8 +4512,29 @@
                 <a:effectLst/>
                 <a:latin typeface="Inter"/>
               </a:rPr>
-              <a:t>Des points se feront chaque semaine avec toute l’équipe et le client en visioconférence ainsi qu’à la fin des sprints</a:t>
-            </a:r>
+              <a:t>Des points se feront chaque semaine avec toute l’équipe</a:t>
+            </a:r>
+          </a:p>
+          <a:p>
+            <a:pPr algn="ctr"/>
+            <a:r>
+              <a:rPr lang="fr-FR" b="0" i="0" dirty="0">
+                <a:solidFill>
+                  <a:srgbClr val="0D0D0D"/>
+                </a:solidFill>
+                <a:effectLst/>
+                <a:latin typeface="Inter"/>
+              </a:rPr>
+              <a:t>Ainsi qu’avec le client en visioconférence à la fin des sprints</a:t>
+            </a:r>
+            <a:endParaRPr lang="fr-FR" sz="1800" dirty="0">
+              <a:solidFill>
+                <a:srgbClr val="0D0D0D"/>
+              </a:solidFill>
+            </a:endParaRPr>
+          </a:p>
+          <a:p>
+            <a:pPr algn="ctr"/>
             <a:endParaRPr lang="fr-FR" sz="1800" dirty="0">
               <a:solidFill>
                 <a:srgbClr val="0D0D0D"/>

--- a/Présentation - Solution Technique.pptx
+++ b/Présentation - Solution Technique.pptx
@@ -5392,7 +5392,7 @@
                   <a:srgbClr val="0D0D0D"/>
                 </a:solidFill>
               </a:rPr>
-              <a:t>’envoyer les mails d’authentifications aux </a:t>
+              <a:t>’envoyer les mails d’authentification aux </a:t>
             </a:r>
             <a:r>
               <a:rPr lang="fr-FR" dirty="0">
@@ -5984,7 +5984,7 @@
                   <a:srgbClr val="0D0D0D"/>
                 </a:solidFill>
               </a:rPr>
-              <a:t>L’API de Deliveroo sera utilisée afin de publier sur les menus sur Deliveroo</a:t>
+              <a:t>L’API de Deliveroo sera utilisée afin de publier les menus sur Deliveroo</a:t>
             </a:r>
           </a:p>
         </p:txBody>
